--- a/Documentation/Project Docs/DataModelPresentation.pptx
+++ b/Documentation/Project Docs/DataModelPresentation.pptx
@@ -7,6 +7,8 @@
   <p:sldIdLst>
     <p:sldId id="256" r:id="rId2"/>
     <p:sldId id="257" r:id="rId3"/>
+    <p:sldId id="258" r:id="rId4"/>
+    <p:sldId id="259" r:id="rId5"/>
   </p:sldIdLst>
   <p:sldSz cx="12192000" cy="6858000"/>
   <p:notesSz cx="6858000" cy="9144000"/>
@@ -105,6 +107,11 @@
       </a:defRPr>
     </a:lvl9pPr>
   </p:defaultTextStyle>
+  <p:extLst>
+    <p:ext uri="{EFAFB233-063F-42B5-8137-9DF3F51BA10A}">
+      <p15:sldGuideLst xmlns:p15="http://schemas.microsoft.com/office/powerpoint/2012/main"/>
+    </p:ext>
+  </p:extLst>
 </p:presentation>
 </file>
 
@@ -334,7 +341,7 @@
           <a:p>
             <a:fld id="{FA567518-7C46-4CF6-AF23-C029D1B50AD6}" type="datetimeFigureOut">
               <a:rPr lang="en-US" smtClean="0"/>
-              <a:t>10/24/2018</a:t>
+              <a:t>10/25/2018</a:t>
             </a:fld>
             <a:endParaRPr lang="en-US"/>
           </a:p>
@@ -542,7 +549,7 @@
           <a:p>
             <a:fld id="{FA567518-7C46-4CF6-AF23-C029D1B50AD6}" type="datetimeFigureOut">
               <a:rPr lang="en-US" smtClean="0"/>
-              <a:t>10/24/2018</a:t>
+              <a:t>10/25/2018</a:t>
             </a:fld>
             <a:endParaRPr lang="en-US"/>
           </a:p>
@@ -798,7 +805,7 @@
           <a:p>
             <a:fld id="{FA567518-7C46-4CF6-AF23-C029D1B50AD6}" type="datetimeFigureOut">
               <a:rPr lang="en-US" smtClean="0"/>
-              <a:t>10/24/2018</a:t>
+              <a:t>10/25/2018</a:t>
             </a:fld>
             <a:endParaRPr lang="en-US"/>
           </a:p>
@@ -972,7 +979,7 @@
           <a:p>
             <a:fld id="{FA567518-7C46-4CF6-AF23-C029D1B50AD6}" type="datetimeFigureOut">
               <a:rPr lang="en-US" smtClean="0"/>
-              <a:t>10/24/2018</a:t>
+              <a:t>10/25/2018</a:t>
             </a:fld>
             <a:endParaRPr lang="en-US"/>
           </a:p>
@@ -1315,7 +1322,7 @@
           <a:p>
             <a:fld id="{FA567518-7C46-4CF6-AF23-C029D1B50AD6}" type="datetimeFigureOut">
               <a:rPr lang="en-US" smtClean="0"/>
-              <a:t>10/24/2018</a:t>
+              <a:t>10/25/2018</a:t>
             </a:fld>
             <a:endParaRPr lang="en-US"/>
           </a:p>
@@ -1590,7 +1597,7 @@
           <a:p>
             <a:fld id="{FA567518-7C46-4CF6-AF23-C029D1B50AD6}" type="datetimeFigureOut">
               <a:rPr lang="en-US" smtClean="0"/>
-              <a:t>10/24/2018</a:t>
+              <a:t>10/25/2018</a:t>
             </a:fld>
             <a:endParaRPr lang="en-US"/>
           </a:p>
@@ -1969,7 +1976,7 @@
           <a:p>
             <a:fld id="{FA567518-7C46-4CF6-AF23-C029D1B50AD6}" type="datetimeFigureOut">
               <a:rPr lang="en-US" smtClean="0"/>
-              <a:t>10/24/2018</a:t>
+              <a:t>10/25/2018</a:t>
             </a:fld>
             <a:endParaRPr lang="en-US"/>
           </a:p>
@@ -2087,7 +2094,7 @@
           <a:p>
             <a:fld id="{FA567518-7C46-4CF6-AF23-C029D1B50AD6}" type="datetimeFigureOut">
               <a:rPr lang="en-US" smtClean="0"/>
-              <a:t>10/24/2018</a:t>
+              <a:t>10/25/2018</a:t>
             </a:fld>
             <a:endParaRPr lang="en-US"/>
           </a:p>
@@ -2258,7 +2265,7 @@
           <a:p>
             <a:fld id="{FA567518-7C46-4CF6-AF23-C029D1B50AD6}" type="datetimeFigureOut">
               <a:rPr lang="en-US" smtClean="0"/>
-              <a:t>10/24/2018</a:t>
+              <a:t>10/25/2018</a:t>
             </a:fld>
             <a:endParaRPr lang="en-US"/>
           </a:p>
@@ -2612,7 +2619,7 @@
           <a:p>
             <a:fld id="{FA567518-7C46-4CF6-AF23-C029D1B50AD6}" type="datetimeFigureOut">
               <a:rPr lang="en-US" smtClean="0"/>
-              <a:t>10/24/2018</a:t>
+              <a:t>10/25/2018</a:t>
             </a:fld>
             <a:endParaRPr lang="en-US"/>
           </a:p>
@@ -2994,7 +3001,7 @@
           <a:p>
             <a:fld id="{FA567518-7C46-4CF6-AF23-C029D1B50AD6}" type="datetimeFigureOut">
               <a:rPr lang="en-US" smtClean="0"/>
-              <a:t>10/24/2018</a:t>
+              <a:t>10/25/2018</a:t>
             </a:fld>
             <a:endParaRPr lang="en-US"/>
           </a:p>
@@ -3281,7 +3288,7 @@
           <a:p>
             <a:fld id="{FA567518-7C46-4CF6-AF23-C029D1B50AD6}" type="datetimeFigureOut">
               <a:rPr lang="en-US" smtClean="0"/>
-              <a:t>10/24/2018</a:t>
+              <a:t>10/25/2018</a:t>
             </a:fld>
             <a:endParaRPr lang="en-US"/>
           </a:p>
@@ -3918,7 +3925,7 @@
           <a:p>
             <a:r>
               <a:rPr lang="en-US" dirty="0"/>
-              <a:t>Tables</a:t>
+              <a:t>Current Tables</a:t>
             </a:r>
           </a:p>
         </p:txBody>
@@ -3987,6 +3994,170 @@
     <p:extLst>
       <p:ext uri="{BB962C8B-B14F-4D97-AF65-F5344CB8AC3E}">
         <p14:creationId xmlns:p14="http://schemas.microsoft.com/office/powerpoint/2010/main" val="2588636365"/>
+      </p:ext>
+    </p:extLst>
+  </p:cSld>
+  <p:clrMapOvr>
+    <a:masterClrMapping/>
+  </p:clrMapOvr>
+</p:sld>
+</file>
+
+<file path=ppt/slides/slide3.xml><?xml version="1.0" encoding="utf-8"?>
+<p:sld xmlns:a="http://schemas.openxmlformats.org/drawingml/2006/main" xmlns:r="http://schemas.openxmlformats.org/officeDocument/2006/relationships" xmlns:p="http://schemas.openxmlformats.org/presentationml/2006/main">
+  <p:cSld>
+    <p:spTree>
+      <p:nvGrpSpPr>
+        <p:cNvPr id="1" name=""/>
+        <p:cNvGrpSpPr/>
+        <p:nvPr/>
+      </p:nvGrpSpPr>
+      <p:grpSpPr>
+        <a:xfrm>
+          <a:off x="0" y="0"/>
+          <a:ext cx="0" cy="0"/>
+          <a:chOff x="0" y="0"/>
+          <a:chExt cx="0" cy="0"/>
+        </a:xfrm>
+      </p:grpSpPr>
+      <p:sp>
+        <p:nvSpPr>
+          <p:cNvPr id="2" name="Title 1">
+            <a:extLst>
+              <a:ext uri="{FF2B5EF4-FFF2-40B4-BE49-F238E27FC236}">
+                <a16:creationId xmlns:a16="http://schemas.microsoft.com/office/drawing/2014/main" id="{6C0421C5-17D1-4CFF-96A8-CE3183D6443A}"/>
+              </a:ext>
+            </a:extLst>
+          </p:cNvPr>
+          <p:cNvSpPr>
+            <a:spLocks noGrp="1"/>
+          </p:cNvSpPr>
+          <p:nvPr>
+            <p:ph type="title"/>
+          </p:nvPr>
+        </p:nvSpPr>
+        <p:spPr/>
+        <p:txBody>
+          <a:bodyPr/>
+          <a:lstStyle/>
+          <a:p>
+            <a:r>
+              <a:rPr lang="en-US" dirty="0"/>
+              <a:t>Tables to Implement</a:t>
+            </a:r>
+          </a:p>
+        </p:txBody>
+      </p:sp>
+      <p:sp>
+        <p:nvSpPr>
+          <p:cNvPr id="3" name="Content Placeholder 2">
+            <a:extLst>
+              <a:ext uri="{FF2B5EF4-FFF2-40B4-BE49-F238E27FC236}">
+                <a16:creationId xmlns:a16="http://schemas.microsoft.com/office/drawing/2014/main" id="{A6BB4FD5-F194-4965-94D4-961F81934E01}"/>
+              </a:ext>
+            </a:extLst>
+          </p:cNvPr>
+          <p:cNvSpPr>
+            <a:spLocks noGrp="1"/>
+          </p:cNvSpPr>
+          <p:nvPr>
+            <p:ph idx="1"/>
+          </p:nvPr>
+        </p:nvSpPr>
+        <p:spPr/>
+        <p:txBody>
+          <a:bodyPr/>
+          <a:lstStyle/>
+          <a:p>
+            <a:r>
+              <a:rPr lang="en-US" dirty="0"/>
+              <a:t>Contracts</a:t>
+            </a:r>
+          </a:p>
+          <a:p>
+            <a:r>
+              <a:rPr lang="en-US" dirty="0"/>
+              <a:t>Payments</a:t>
+            </a:r>
+          </a:p>
+          <a:p>
+            <a:r>
+              <a:rPr lang="en-US" dirty="0"/>
+              <a:t>Apartments</a:t>
+            </a:r>
+          </a:p>
+        </p:txBody>
+      </p:sp>
+    </p:spTree>
+    <p:extLst>
+      <p:ext uri="{BB962C8B-B14F-4D97-AF65-F5344CB8AC3E}">
+        <p14:creationId xmlns:p14="http://schemas.microsoft.com/office/powerpoint/2010/main" val="393169556"/>
+      </p:ext>
+    </p:extLst>
+  </p:cSld>
+  <p:clrMapOvr>
+    <a:masterClrMapping/>
+  </p:clrMapOvr>
+</p:sld>
+</file>
+
+<file path=ppt/slides/slide4.xml><?xml version="1.0" encoding="utf-8"?>
+<p:sld xmlns:a="http://schemas.openxmlformats.org/drawingml/2006/main" xmlns:r="http://schemas.openxmlformats.org/officeDocument/2006/relationships" xmlns:p="http://schemas.openxmlformats.org/presentationml/2006/main">
+  <p:cSld>
+    <p:spTree>
+      <p:nvGrpSpPr>
+        <p:cNvPr id="1" name=""/>
+        <p:cNvGrpSpPr/>
+        <p:nvPr/>
+      </p:nvGrpSpPr>
+      <p:grpSpPr>
+        <a:xfrm>
+          <a:off x="0" y="0"/>
+          <a:ext cx="0" cy="0"/>
+          <a:chOff x="0" y="0"/>
+          <a:chExt cx="0" cy="0"/>
+        </a:xfrm>
+      </p:grpSpPr>
+      <p:pic>
+        <p:nvPicPr>
+          <p:cNvPr id="5" name="Picture 4">
+            <a:extLst>
+              <a:ext uri="{FF2B5EF4-FFF2-40B4-BE49-F238E27FC236}">
+                <a16:creationId xmlns:a16="http://schemas.microsoft.com/office/drawing/2014/main" id="{B0757808-1A0D-469F-A610-E90996A23275}"/>
+              </a:ext>
+            </a:extLst>
+          </p:cNvPr>
+          <p:cNvPicPr>
+            <a:picLocks noChangeAspect="1"/>
+          </p:cNvPicPr>
+          <p:nvPr/>
+        </p:nvPicPr>
+        <p:blipFill>
+          <a:blip r:embed="rId2">
+            <a:extLst>
+              <a:ext uri="{28A0092B-C50C-407E-A947-70E740481C1C}">
+                <a14:useLocalDpi xmlns:a14="http://schemas.microsoft.com/office/drawing/2010/main" val="0"/>
+              </a:ext>
+            </a:extLst>
+          </a:blip>
+          <a:stretch>
+            <a:fillRect/>
+          </a:stretch>
+        </p:blipFill>
+        <p:spPr>
+          <a:xfrm>
+            <a:off x="2220423" y="-19170"/>
+            <a:ext cx="8114202" cy="6896339"/>
+          </a:xfrm>
+          <a:prstGeom prst="rect">
+            <a:avLst/>
+          </a:prstGeom>
+        </p:spPr>
+      </p:pic>
+    </p:spTree>
+    <p:extLst>
+      <p:ext uri="{BB962C8B-B14F-4D97-AF65-F5344CB8AC3E}">
+        <p14:creationId xmlns:p14="http://schemas.microsoft.com/office/powerpoint/2010/main" val="860854917"/>
       </p:ext>
     </p:extLst>
   </p:cSld>
